--- a/Slides (project overview).pptx
+++ b/Slides (project overview).pptx
@@ -7,16 +7,17 @@
     <p:sldMasterId id="2147483674" r:id="rId3"/>
   </p:sldMasterIdLst>
   <p:notesMasterIdLst>
-    <p:notesMasterId r:id="rId11"/>
+    <p:notesMasterId r:id="rId12"/>
   </p:notesMasterIdLst>
   <p:sldIdLst>
     <p:sldId id="323" r:id="rId4"/>
     <p:sldId id="266" r:id="rId5"/>
-    <p:sldId id="258" r:id="rId6"/>
-    <p:sldId id="259" r:id="rId7"/>
-    <p:sldId id="260" r:id="rId8"/>
-    <p:sldId id="261" r:id="rId9"/>
-    <p:sldId id="265" r:id="rId10"/>
+    <p:sldId id="324" r:id="rId6"/>
+    <p:sldId id="258" r:id="rId7"/>
+    <p:sldId id="259" r:id="rId8"/>
+    <p:sldId id="260" r:id="rId9"/>
+    <p:sldId id="261" r:id="rId10"/>
+    <p:sldId id="265" r:id="rId11"/>
   </p:sldIdLst>
   <p:sldSz cx="9144000" cy="5143500" type="screen16x9"/>
   <p:notesSz cx="6858000" cy="9144000"/>
@@ -963,7 +964,7 @@
             </a:pPr>
             <a:fld id="{00000000-1234-1234-1234-123412341234}" type="slidenum">
               <a:rPr lang="en"/>
-              <a:t>4</a:t>
+              <a:t>5</a:t>
             </a:fld>
             <a:endParaRPr/>
           </a:p>
@@ -1127,7 +1128,7 @@
             </a:pPr>
             <a:fld id="{00000000-1234-1234-1234-123412341234}" type="slidenum">
               <a:rPr lang="en"/>
-              <a:t>5</a:t>
+              <a:t>6</a:t>
             </a:fld>
             <a:endParaRPr/>
           </a:p>
@@ -1291,7 +1292,7 @@
             </a:pPr>
             <a:fld id="{00000000-1234-1234-1234-123412341234}" type="slidenum">
               <a:rPr lang="en"/>
-              <a:t>6</a:t>
+              <a:t>7</a:t>
             </a:fld>
             <a:endParaRPr/>
           </a:p>
@@ -17190,6 +17191,432 @@
             <p:ph type="title"/>
           </p:nvPr>
         </p:nvSpPr>
+        <p:spPr>
+          <a:xfrm>
+            <a:off x="560694" y="155277"/>
+            <a:ext cx="8280900" cy="864000"/>
+          </a:xfrm>
+        </p:spPr>
+        <p:txBody>
+          <a:bodyPr/>
+          <a:lstStyle/>
+          <a:p>
+            <a:r>
+              <a:rPr lang="en-US" dirty="0"/>
+              <a:t>Description</a:t>
+            </a:r>
+          </a:p>
+        </p:txBody>
+      </p:sp>
+      <p:sp>
+        <p:nvSpPr>
+          <p:cNvPr id="11" name="TextBox 10">
+            <a:extLst>
+              <a:ext uri="{FF2B5EF4-FFF2-40B4-BE49-F238E27FC236}">
+                <a16:creationId xmlns:a16="http://schemas.microsoft.com/office/drawing/2014/main" id="{7E4ED38E-8C44-3C4C-0DF5-C6E70CDB50D7}"/>
+              </a:ext>
+            </a:extLst>
+          </p:cNvPr>
+          <p:cNvSpPr txBox="1"/>
+          <p:nvPr/>
+        </p:nvSpPr>
+        <p:spPr>
+          <a:xfrm>
+            <a:off x="462017" y="1640784"/>
+            <a:ext cx="7902855" cy="2523768"/>
+          </a:xfrm>
+          <a:prstGeom prst="rect">
+            <a:avLst/>
+          </a:prstGeom>
+          <a:noFill/>
+        </p:spPr>
+        <p:txBody>
+          <a:bodyPr wrap="square" rtlCol="0">
+            <a:spAutoFit/>
+          </a:bodyPr>
+          <a:lstStyle/>
+          <a:p>
+            <a:pPr algn="just"/>
+            <a:r>
+              <a:rPr lang="en-US" dirty="0"/>
+              <a:t>The firewall works by setting up a TCP server on the Zynq Processor, which receives packets and sends the payload to the </a:t>
+            </a:r>
+            <a:r>
+              <a:rPr lang="en-US" dirty="0" err="1"/>
+              <a:t>MicroBlaze</a:t>
+            </a:r>
+            <a:r>
+              <a:rPr lang="en-US" dirty="0"/>
+              <a:t>. The </a:t>
+            </a:r>
+            <a:r>
+              <a:rPr lang="en-US" dirty="0" err="1"/>
+              <a:t>MicroBlaze</a:t>
+            </a:r>
+            <a:r>
+              <a:rPr lang="en-US" dirty="0"/>
+              <a:t> then analyzes the payload for malicious content and reports back to the Zynq, which then informs the user of the results. The firewall filters incoming data by allowing numbers and alphabets to pass through while blocking symbols.</a:t>
+            </a:r>
+          </a:p>
+          <a:p>
+            <a:pPr algn="just"/>
+            <a:br>
+              <a:rPr lang="en-US" sz="900" dirty="0"/>
+            </a:br>
+            <a:endParaRPr lang="en-US" sz="900" dirty="0"/>
+          </a:p>
+          <a:p>
+            <a:pPr algn="just"/>
+            <a:r>
+              <a:rPr lang="en-US" dirty="0"/>
+              <a:t>The payload is transferred between the two processors using a mailbox and the length of the payload is communicated using BRAM (both payload and length can be transferred either using mailbox or BRAM but for testing purposes, both mailbox and BRAM were used). The server on Zynq Processor also stores TCP payloads in DDR memory, to keep the history of all the received packets, ensuring no overwrites.</a:t>
+            </a:r>
+          </a:p>
+          <a:p>
+            <a:endParaRPr lang="en-US" dirty="0"/>
+          </a:p>
+        </p:txBody>
+      </p:sp>
+      <p:sp>
+        <p:nvSpPr>
+          <p:cNvPr id="13" name="Title 1">
+            <a:extLst>
+              <a:ext uri="{FF2B5EF4-FFF2-40B4-BE49-F238E27FC236}">
+                <a16:creationId xmlns:a16="http://schemas.microsoft.com/office/drawing/2014/main" id="{5B1706F3-5CE1-B539-157C-B14EB8B51DF6}"/>
+              </a:ext>
+            </a:extLst>
+          </p:cNvPr>
+          <p:cNvSpPr txBox="1">
+            <a:spLocks/>
+          </p:cNvSpPr>
+          <p:nvPr/>
+        </p:nvSpPr>
+        <p:spPr>
+          <a:xfrm>
+            <a:off x="560694" y="1033133"/>
+            <a:ext cx="8280900" cy="376066"/>
+          </a:xfrm>
+          <a:prstGeom prst="rect">
+            <a:avLst/>
+          </a:prstGeom>
+          <a:noFill/>
+          <a:ln>
+            <a:noFill/>
+          </a:ln>
+        </p:spPr>
+        <p:txBody>
+          <a:bodyPr spcFirstLastPara="1" wrap="square" lIns="0" tIns="0" rIns="0" bIns="0" anchor="ctr" anchorCtr="0">
+            <a:normAutofit/>
+          </a:bodyPr>
+          <a:lstStyle>
+            <a:defPPr marR="0" lvl="0" algn="l" rtl="0">
+              <a:lnSpc>
+                <a:spcPct val="100000"/>
+              </a:lnSpc>
+              <a:spcBef>
+                <a:spcPts val="0"/>
+              </a:spcBef>
+              <a:spcAft>
+                <a:spcPts val="0"/>
+              </a:spcAft>
+            </a:defPPr>
+            <a:lvl1pPr marR="0" lvl="0" algn="l" rtl="0">
+              <a:lnSpc>
+                <a:spcPct val="100000"/>
+              </a:lnSpc>
+              <a:spcBef>
+                <a:spcPts val="0"/>
+              </a:spcBef>
+              <a:spcAft>
+                <a:spcPts val="0"/>
+              </a:spcAft>
+              <a:buClr>
+                <a:schemeClr val="dk2"/>
+              </a:buClr>
+              <a:buSzPts val="1400"/>
+              <a:buFont typeface="Arial"/>
+              <a:buNone/>
+              <a:defRPr sz="3000" b="0" i="0" u="none" strike="noStrike" cap="none">
+                <a:solidFill>
+                  <a:schemeClr val="dk2"/>
+                </a:solidFill>
+                <a:latin typeface="Arial"/>
+                <a:ea typeface="Arial"/>
+                <a:cs typeface="Arial"/>
+                <a:sym typeface="Arial"/>
+              </a:defRPr>
+            </a:lvl1pPr>
+            <a:lvl2pPr marR="0" lvl="1" algn="l" rtl="0">
+              <a:lnSpc>
+                <a:spcPct val="100000"/>
+              </a:lnSpc>
+              <a:spcBef>
+                <a:spcPts val="0"/>
+              </a:spcBef>
+              <a:spcAft>
+                <a:spcPts val="0"/>
+              </a:spcAft>
+              <a:buClr>
+                <a:srgbClr val="000000"/>
+              </a:buClr>
+              <a:buSzPts val="1100"/>
+              <a:buFont typeface="Arial"/>
+              <a:buNone/>
+              <a:defRPr sz="1400" b="0" i="0" u="none" strike="noStrike" cap="none">
+                <a:solidFill>
+                  <a:srgbClr val="000000"/>
+                </a:solidFill>
+                <a:latin typeface="Arial"/>
+                <a:ea typeface="Arial"/>
+                <a:cs typeface="Arial"/>
+                <a:sym typeface="Arial"/>
+              </a:defRPr>
+            </a:lvl2pPr>
+            <a:lvl3pPr marR="0" lvl="2" algn="l" rtl="0">
+              <a:lnSpc>
+                <a:spcPct val="100000"/>
+              </a:lnSpc>
+              <a:spcBef>
+                <a:spcPts val="0"/>
+              </a:spcBef>
+              <a:spcAft>
+                <a:spcPts val="0"/>
+              </a:spcAft>
+              <a:buClr>
+                <a:srgbClr val="000000"/>
+              </a:buClr>
+              <a:buSzPts val="1100"/>
+              <a:buFont typeface="Arial"/>
+              <a:buNone/>
+              <a:defRPr sz="1400" b="0" i="0" u="none" strike="noStrike" cap="none">
+                <a:solidFill>
+                  <a:srgbClr val="000000"/>
+                </a:solidFill>
+                <a:latin typeface="Arial"/>
+                <a:ea typeface="Arial"/>
+                <a:cs typeface="Arial"/>
+                <a:sym typeface="Arial"/>
+              </a:defRPr>
+            </a:lvl3pPr>
+            <a:lvl4pPr marR="0" lvl="3" algn="l" rtl="0">
+              <a:lnSpc>
+                <a:spcPct val="100000"/>
+              </a:lnSpc>
+              <a:spcBef>
+                <a:spcPts val="0"/>
+              </a:spcBef>
+              <a:spcAft>
+                <a:spcPts val="0"/>
+              </a:spcAft>
+              <a:buClr>
+                <a:srgbClr val="000000"/>
+              </a:buClr>
+              <a:buSzPts val="1100"/>
+              <a:buFont typeface="Arial"/>
+              <a:buNone/>
+              <a:defRPr sz="1400" b="0" i="0" u="none" strike="noStrike" cap="none">
+                <a:solidFill>
+                  <a:srgbClr val="000000"/>
+                </a:solidFill>
+                <a:latin typeface="Arial"/>
+                <a:ea typeface="Arial"/>
+                <a:cs typeface="Arial"/>
+                <a:sym typeface="Arial"/>
+              </a:defRPr>
+            </a:lvl4pPr>
+            <a:lvl5pPr marR="0" lvl="4" algn="l" rtl="0">
+              <a:lnSpc>
+                <a:spcPct val="100000"/>
+              </a:lnSpc>
+              <a:spcBef>
+                <a:spcPts val="0"/>
+              </a:spcBef>
+              <a:spcAft>
+                <a:spcPts val="0"/>
+              </a:spcAft>
+              <a:buClr>
+                <a:srgbClr val="000000"/>
+              </a:buClr>
+              <a:buSzPts val="1100"/>
+              <a:buFont typeface="Arial"/>
+              <a:buNone/>
+              <a:defRPr sz="1400" b="0" i="0" u="none" strike="noStrike" cap="none">
+                <a:solidFill>
+                  <a:srgbClr val="000000"/>
+                </a:solidFill>
+                <a:latin typeface="Arial"/>
+                <a:ea typeface="Arial"/>
+                <a:cs typeface="Arial"/>
+                <a:sym typeface="Arial"/>
+              </a:defRPr>
+            </a:lvl5pPr>
+            <a:lvl6pPr marR="0" lvl="5" algn="l" rtl="0">
+              <a:lnSpc>
+                <a:spcPct val="100000"/>
+              </a:lnSpc>
+              <a:spcBef>
+                <a:spcPts val="0"/>
+              </a:spcBef>
+              <a:spcAft>
+                <a:spcPts val="0"/>
+              </a:spcAft>
+              <a:buClr>
+                <a:srgbClr val="000000"/>
+              </a:buClr>
+              <a:buSzPts val="1100"/>
+              <a:buFont typeface="Arial"/>
+              <a:buNone/>
+              <a:defRPr sz="1400" b="0" i="0" u="none" strike="noStrike" cap="none">
+                <a:solidFill>
+                  <a:srgbClr val="000000"/>
+                </a:solidFill>
+                <a:latin typeface="Arial"/>
+                <a:ea typeface="Arial"/>
+                <a:cs typeface="Arial"/>
+                <a:sym typeface="Arial"/>
+              </a:defRPr>
+            </a:lvl6pPr>
+            <a:lvl7pPr marR="0" lvl="6" algn="l" rtl="0">
+              <a:lnSpc>
+                <a:spcPct val="100000"/>
+              </a:lnSpc>
+              <a:spcBef>
+                <a:spcPts val="0"/>
+              </a:spcBef>
+              <a:spcAft>
+                <a:spcPts val="0"/>
+              </a:spcAft>
+              <a:buClr>
+                <a:srgbClr val="000000"/>
+              </a:buClr>
+              <a:buSzPts val="1100"/>
+              <a:buFont typeface="Arial"/>
+              <a:buNone/>
+              <a:defRPr sz="1400" b="0" i="0" u="none" strike="noStrike" cap="none">
+                <a:solidFill>
+                  <a:srgbClr val="000000"/>
+                </a:solidFill>
+                <a:latin typeface="Arial"/>
+                <a:ea typeface="Arial"/>
+                <a:cs typeface="Arial"/>
+                <a:sym typeface="Arial"/>
+              </a:defRPr>
+            </a:lvl7pPr>
+            <a:lvl8pPr marR="0" lvl="7" algn="l" rtl="0">
+              <a:lnSpc>
+                <a:spcPct val="100000"/>
+              </a:lnSpc>
+              <a:spcBef>
+                <a:spcPts val="0"/>
+              </a:spcBef>
+              <a:spcAft>
+                <a:spcPts val="0"/>
+              </a:spcAft>
+              <a:buClr>
+                <a:srgbClr val="000000"/>
+              </a:buClr>
+              <a:buSzPts val="1100"/>
+              <a:buFont typeface="Arial"/>
+              <a:buNone/>
+              <a:defRPr sz="1400" b="0" i="0" u="none" strike="noStrike" cap="none">
+                <a:solidFill>
+                  <a:srgbClr val="000000"/>
+                </a:solidFill>
+                <a:latin typeface="Arial"/>
+                <a:ea typeface="Arial"/>
+                <a:cs typeface="Arial"/>
+                <a:sym typeface="Arial"/>
+              </a:defRPr>
+            </a:lvl8pPr>
+            <a:lvl9pPr marR="0" lvl="8" algn="l" rtl="0">
+              <a:lnSpc>
+                <a:spcPct val="100000"/>
+              </a:lnSpc>
+              <a:spcBef>
+                <a:spcPts val="0"/>
+              </a:spcBef>
+              <a:spcAft>
+                <a:spcPts val="0"/>
+              </a:spcAft>
+              <a:buClr>
+                <a:srgbClr val="000000"/>
+              </a:buClr>
+              <a:buSzPts val="1100"/>
+              <a:buFont typeface="Arial"/>
+              <a:buNone/>
+              <a:defRPr sz="1400" b="0" i="0" u="none" strike="noStrike" cap="none">
+                <a:solidFill>
+                  <a:srgbClr val="000000"/>
+                </a:solidFill>
+                <a:latin typeface="Arial"/>
+                <a:ea typeface="Arial"/>
+                <a:cs typeface="Arial"/>
+                <a:sym typeface="Arial"/>
+              </a:defRPr>
+            </a:lvl9pPr>
+          </a:lstStyle>
+          <a:p>
+            <a:r>
+              <a:rPr lang="en-US" sz="1100" dirty="0"/>
+              <a:t>FPGA-based TCP Firewall on Zynq and </a:t>
+            </a:r>
+            <a:r>
+              <a:rPr lang="en-US" sz="1100" dirty="0" err="1"/>
+              <a:t>MicroBlaze</a:t>
+            </a:r>
+            <a:r>
+              <a:rPr lang="en-US" sz="1100" dirty="0"/>
+              <a:t> with Mailbox, BRAM, and DDR Storage</a:t>
+            </a:r>
+          </a:p>
+        </p:txBody>
+      </p:sp>
+    </p:spTree>
+    <p:extLst>
+      <p:ext uri="{BB962C8B-B14F-4D97-AF65-F5344CB8AC3E}">
+        <p14:creationId xmlns:p14="http://schemas.microsoft.com/office/powerpoint/2010/main" val="3439695522"/>
+      </p:ext>
+    </p:extLst>
+  </p:cSld>
+  <p:clrMapOvr>
+    <a:masterClrMapping/>
+  </p:clrMapOvr>
+</p:sld>
+</file>
+
+<file path=ppt/slides/slide3.xml><?xml version="1.0" encoding="utf-8"?>
+<p:sld xmlns:a="http://schemas.openxmlformats.org/drawingml/2006/main" xmlns:r="http://schemas.openxmlformats.org/officeDocument/2006/relationships" xmlns:p="http://schemas.openxmlformats.org/presentationml/2006/main">
+  <p:cSld>
+    <p:spTree>
+      <p:nvGrpSpPr>
+        <p:cNvPr id="1" name=""/>
+        <p:cNvGrpSpPr/>
+        <p:nvPr/>
+      </p:nvGrpSpPr>
+      <p:grpSpPr>
+        <a:xfrm>
+          <a:off x="0" y="0"/>
+          <a:ext cx="0" cy="0"/>
+          <a:chOff x="0" y="0"/>
+          <a:chExt cx="0" cy="0"/>
+        </a:xfrm>
+      </p:grpSpPr>
+      <p:sp>
+        <p:nvSpPr>
+          <p:cNvPr id="2" name="Title 1">
+            <a:extLst>
+              <a:ext uri="{FF2B5EF4-FFF2-40B4-BE49-F238E27FC236}">
+                <a16:creationId xmlns:a16="http://schemas.microsoft.com/office/drawing/2014/main" id="{F909D0C5-150B-2845-72A2-2FE2885D24D9}"/>
+              </a:ext>
+            </a:extLst>
+          </p:cNvPr>
+          <p:cNvSpPr>
+            <a:spLocks noGrp="1"/>
+          </p:cNvSpPr>
+          <p:nvPr>
+            <p:ph type="title"/>
+          </p:nvPr>
+        </p:nvSpPr>
         <p:spPr/>
         <p:txBody>
           <a:bodyPr/>
@@ -17999,7 +18426,7 @@
     </p:spTree>
     <p:extLst>
       <p:ext uri="{BB962C8B-B14F-4D97-AF65-F5344CB8AC3E}">
-        <p14:creationId xmlns:p14="http://schemas.microsoft.com/office/powerpoint/2010/main" val="3439695522"/>
+        <p14:creationId xmlns:p14="http://schemas.microsoft.com/office/powerpoint/2010/main" val="512267894"/>
       </p:ext>
     </p:extLst>
   </p:cSld>
@@ -18719,7 +19146,7 @@
 </p:sld>
 </file>
 
-<file path=ppt/slides/slide3.xml><?xml version="1.0" encoding="utf-8"?>
+<file path=ppt/slides/slide4.xml><?xml version="1.0" encoding="utf-8"?>
 <p:sld xmlns:a="http://schemas.openxmlformats.org/drawingml/2006/main" xmlns:r="http://schemas.openxmlformats.org/officeDocument/2006/relationships" xmlns:p="http://schemas.openxmlformats.org/presentationml/2006/main">
   <p:cSld>
     <p:spTree>
@@ -18776,7 +19203,7 @@
             </a:pPr>
             <a:fld id="{00000000-1234-1234-1234-123412341234}" type="slidenum">
               <a:rPr lang="en"/>
-              <a:t>3</a:t>
+              <a:t>4</a:t>
             </a:fld>
             <a:endParaRPr/>
           </a:p>
@@ -20557,7 +20984,7 @@
 </p:sld>
 </file>
 
-<file path=ppt/slides/slide4.xml><?xml version="1.0" encoding="utf-8"?>
+<file path=ppt/slides/slide5.xml><?xml version="1.0" encoding="utf-8"?>
 <p:sld xmlns:a="http://schemas.openxmlformats.org/drawingml/2006/main" xmlns:r="http://schemas.openxmlformats.org/officeDocument/2006/relationships" xmlns:p="http://schemas.openxmlformats.org/presentationml/2006/main">
   <p:cSld>
     <p:spTree>
@@ -20614,7 +21041,7 @@
             </a:pPr>
             <a:fld id="{00000000-1234-1234-1234-123412341234}" type="slidenum">
               <a:rPr lang="en"/>
-              <a:t>4</a:t>
+              <a:t>5</a:t>
             </a:fld>
             <a:endParaRPr/>
           </a:p>
@@ -20835,7 +21262,7 @@
 </p:sld>
 </file>
 
-<file path=ppt/slides/slide5.xml><?xml version="1.0" encoding="utf-8"?>
+<file path=ppt/slides/slide6.xml><?xml version="1.0" encoding="utf-8"?>
 <p:sld xmlns:a="http://schemas.openxmlformats.org/drawingml/2006/main" xmlns:r="http://schemas.openxmlformats.org/officeDocument/2006/relationships" xmlns:p="http://schemas.openxmlformats.org/presentationml/2006/main">
   <p:cSld>
     <p:spTree>
@@ -20956,7 +21383,7 @@
 </p:sld>
 </file>
 
-<file path=ppt/slides/slide6.xml><?xml version="1.0" encoding="utf-8"?>
+<file path=ppt/slides/slide7.xml><?xml version="1.0" encoding="utf-8"?>
 <p:sld xmlns:a="http://schemas.openxmlformats.org/drawingml/2006/main" xmlns:r="http://schemas.openxmlformats.org/officeDocument/2006/relationships" xmlns:p="http://schemas.openxmlformats.org/presentationml/2006/main">
   <p:cSld>
     <p:spTree>
@@ -21201,7 +21628,7 @@
 </p:sld>
 </file>
 
-<file path=ppt/slides/slide7.xml><?xml version="1.0" encoding="utf-8"?>
+<file path=ppt/slides/slide8.xml><?xml version="1.0" encoding="utf-8"?>
 <p:sld xmlns:a="http://schemas.openxmlformats.org/drawingml/2006/main" xmlns:r="http://schemas.openxmlformats.org/officeDocument/2006/relationships" xmlns:p="http://schemas.openxmlformats.org/presentationml/2006/main">
   <p:cSld>
     <p:spTree>
@@ -21316,7 +21743,7 @@
             </a:pPr>
             <a:fld id="{00000000-1234-1234-1234-123412341234}" type="slidenum">
               <a:rPr lang="en"/>
-              <a:t>7</a:t>
+              <a:t>8</a:t>
             </a:fld>
             <a:endParaRPr/>
           </a:p>

--- a/Slides (project overview).pptx
+++ b/Slides (project overview).pptx
@@ -19628,6 +19628,18 @@
               <a:buNone/>
             </a:pPr>
             <a:r>
+              <a:rPr lang="en" sz="1400" b="0" i="0" u="none" strike="noStrike" cap="none" dirty="0" err="1">
+                <a:solidFill>
+                  <a:srgbClr val="000000"/>
+                </a:solidFill>
+                <a:latin typeface="Times New Roman"/>
+                <a:ea typeface="Times New Roman"/>
+                <a:cs typeface="Times New Roman"/>
+                <a:sym typeface="Times New Roman"/>
+              </a:rPr>
+              <a:t>Microblaze</a:t>
+            </a:r>
+            <a:br>
               <a:rPr lang="en" sz="1400" b="0" i="0" u="none" strike="noStrike" cap="none" dirty="0">
                 <a:solidFill>
                   <a:srgbClr val="000000"/>
@@ -19637,7 +19649,18 @@
                 <a:cs typeface="Times New Roman"/>
                 <a:sym typeface="Times New Roman"/>
               </a:rPr>
-              <a:t>Microblaze</a:t>
+            </a:br>
+            <a:r>
+              <a:rPr lang="en" sz="1400" b="0" i="0" u="none" strike="noStrike" cap="none" dirty="0">
+                <a:solidFill>
+                  <a:srgbClr val="000000"/>
+                </a:solidFill>
+                <a:latin typeface="Times New Roman"/>
+                <a:ea typeface="Times New Roman"/>
+                <a:cs typeface="Times New Roman"/>
+                <a:sym typeface="Times New Roman"/>
+              </a:rPr>
+              <a:t>(Firewall)</a:t>
             </a:r>
             <a:endParaRPr sz="1400" b="0" i="0" u="none" strike="noStrike" cap="none" dirty="0">
               <a:solidFill>
